--- a/Web Scrapping.pptx
+++ b/Web Scrapping.pptx
@@ -115,6 +115,11 @@
       </a:defRPr>
     </a:lvl9pPr>
   </p:defaultTextStyle>
+  <p:extLst>
+    <p:ext uri="{EFAFB233-063F-42B5-8137-9DF3F51BA10A}">
+      <p15:sldGuideLst xmlns:p15="http://schemas.microsoft.com/office/powerpoint/2012/main"/>
+    </p:ext>
+  </p:extLst>
 </p:presentation>
 </file>
 
@@ -304,7 +309,7 @@
           <a:p>
             <a:fld id="{7B9F8306-BD44-4F2F-8E78-42207E5755D0}" type="datetimeFigureOut">
               <a:rPr lang="ar-EG" smtClean="0"/>
-              <a:t>07/11/1440</a:t>
+              <a:t>08/11/1440</a:t>
             </a:fld>
             <a:endParaRPr lang="ar-EG"/>
           </a:p>
@@ -579,7 +584,7 @@
           <a:p>
             <a:fld id="{7B9F8306-BD44-4F2F-8E78-42207E5755D0}" type="datetimeFigureOut">
               <a:rPr lang="ar-EG" smtClean="0"/>
-              <a:t>07/11/1440</a:t>
+              <a:t>08/11/1440</a:t>
             </a:fld>
             <a:endParaRPr lang="ar-EG"/>
           </a:p>
@@ -773,7 +778,7 @@
           <a:p>
             <a:fld id="{7B9F8306-BD44-4F2F-8E78-42207E5755D0}" type="datetimeFigureOut">
               <a:rPr lang="ar-EG" smtClean="0"/>
-              <a:t>07/11/1440</a:t>
+              <a:t>08/11/1440</a:t>
             </a:fld>
             <a:endParaRPr lang="ar-EG"/>
           </a:p>
@@ -1046,7 +1051,7 @@
           <a:p>
             <a:fld id="{7B9F8306-BD44-4F2F-8E78-42207E5755D0}" type="datetimeFigureOut">
               <a:rPr lang="ar-EG" smtClean="0"/>
-              <a:t>07/11/1440</a:t>
+              <a:t>08/11/1440</a:t>
             </a:fld>
             <a:endParaRPr lang="ar-EG"/>
           </a:p>
@@ -1387,7 +1392,7 @@
           <a:p>
             <a:fld id="{7B9F8306-BD44-4F2F-8E78-42207E5755D0}" type="datetimeFigureOut">
               <a:rPr lang="ar-EG" smtClean="0"/>
-              <a:t>07/11/1440</a:t>
+              <a:t>08/11/1440</a:t>
             </a:fld>
             <a:endParaRPr lang="ar-EG"/>
           </a:p>
@@ -2010,7 +2015,7 @@
           <a:p>
             <a:fld id="{7B9F8306-BD44-4F2F-8E78-42207E5755D0}" type="datetimeFigureOut">
               <a:rPr lang="ar-EG" smtClean="0"/>
-              <a:t>07/11/1440</a:t>
+              <a:t>08/11/1440</a:t>
             </a:fld>
             <a:endParaRPr lang="ar-EG"/>
           </a:p>
@@ -2870,7 +2875,7 @@
           <a:p>
             <a:fld id="{7B9F8306-BD44-4F2F-8E78-42207E5755D0}" type="datetimeFigureOut">
               <a:rPr lang="ar-EG" smtClean="0"/>
-              <a:t>07/11/1440</a:t>
+              <a:t>08/11/1440</a:t>
             </a:fld>
             <a:endParaRPr lang="ar-EG"/>
           </a:p>
@@ -3040,7 +3045,7 @@
           <a:p>
             <a:fld id="{7B9F8306-BD44-4F2F-8E78-42207E5755D0}" type="datetimeFigureOut">
               <a:rPr lang="ar-EG" smtClean="0"/>
-              <a:t>07/11/1440</a:t>
+              <a:t>08/11/1440</a:t>
             </a:fld>
             <a:endParaRPr lang="ar-EG"/>
           </a:p>
@@ -3220,7 +3225,7 @@
           <a:p>
             <a:fld id="{7B9F8306-BD44-4F2F-8E78-42207E5755D0}" type="datetimeFigureOut">
               <a:rPr lang="ar-EG" smtClean="0"/>
-              <a:t>07/11/1440</a:t>
+              <a:t>08/11/1440</a:t>
             </a:fld>
             <a:endParaRPr lang="ar-EG"/>
           </a:p>
@@ -3390,7 +3395,7 @@
           <a:p>
             <a:fld id="{7B9F8306-BD44-4F2F-8E78-42207E5755D0}" type="datetimeFigureOut">
               <a:rPr lang="ar-EG" smtClean="0"/>
-              <a:t>07/11/1440</a:t>
+              <a:t>08/11/1440</a:t>
             </a:fld>
             <a:endParaRPr lang="ar-EG"/>
           </a:p>
@@ -3637,7 +3642,7 @@
           <a:p>
             <a:fld id="{7B9F8306-BD44-4F2F-8E78-42207E5755D0}" type="datetimeFigureOut">
               <a:rPr lang="ar-EG" smtClean="0"/>
-              <a:t>07/11/1440</a:t>
+              <a:t>08/11/1440</a:t>
             </a:fld>
             <a:endParaRPr lang="ar-EG"/>
           </a:p>
@@ -3929,7 +3934,7 @@
           <a:p>
             <a:fld id="{7B9F8306-BD44-4F2F-8E78-42207E5755D0}" type="datetimeFigureOut">
               <a:rPr lang="ar-EG" smtClean="0"/>
-              <a:t>07/11/1440</a:t>
+              <a:t>08/11/1440</a:t>
             </a:fld>
             <a:endParaRPr lang="ar-EG"/>
           </a:p>
@@ -4373,7 +4378,7 @@
           <a:p>
             <a:fld id="{7B9F8306-BD44-4F2F-8E78-42207E5755D0}" type="datetimeFigureOut">
               <a:rPr lang="ar-EG" smtClean="0"/>
-              <a:t>07/11/1440</a:t>
+              <a:t>08/11/1440</a:t>
             </a:fld>
             <a:endParaRPr lang="ar-EG"/>
           </a:p>
@@ -4491,7 +4496,7 @@
           <a:p>
             <a:fld id="{7B9F8306-BD44-4F2F-8E78-42207E5755D0}" type="datetimeFigureOut">
               <a:rPr lang="ar-EG" smtClean="0"/>
-              <a:t>07/11/1440</a:t>
+              <a:t>08/11/1440</a:t>
             </a:fld>
             <a:endParaRPr lang="ar-EG"/>
           </a:p>
@@ -4586,7 +4591,7 @@
           <a:p>
             <a:fld id="{7B9F8306-BD44-4F2F-8E78-42207E5755D0}" type="datetimeFigureOut">
               <a:rPr lang="ar-EG" smtClean="0"/>
-              <a:t>07/11/1440</a:t>
+              <a:t>08/11/1440</a:t>
             </a:fld>
             <a:endParaRPr lang="ar-EG"/>
           </a:p>
@@ -4865,7 +4870,7 @@
           <a:p>
             <a:fld id="{7B9F8306-BD44-4F2F-8E78-42207E5755D0}" type="datetimeFigureOut">
               <a:rPr lang="ar-EG" smtClean="0"/>
-              <a:t>07/11/1440</a:t>
+              <a:t>08/11/1440</a:t>
             </a:fld>
             <a:endParaRPr lang="ar-EG"/>
           </a:p>
@@ -5140,7 +5145,7 @@
           <a:p>
             <a:fld id="{7B9F8306-BD44-4F2F-8E78-42207E5755D0}" type="datetimeFigureOut">
               <a:rPr lang="ar-EG" smtClean="0"/>
-              <a:t>07/11/1440</a:t>
+              <a:t>08/11/1440</a:t>
             </a:fld>
             <a:endParaRPr lang="ar-EG"/>
           </a:p>
@@ -5569,7 +5574,7 @@
           <a:p>
             <a:fld id="{7B9F8306-BD44-4F2F-8E78-42207E5755D0}" type="datetimeFigureOut">
               <a:rPr lang="ar-EG" smtClean="0"/>
-              <a:t>07/11/1440</a:t>
+              <a:t>08/11/1440</a:t>
             </a:fld>
             <a:endParaRPr lang="ar-EG"/>
           </a:p>
@@ -6114,16 +6119,13 @@
           <a:p>
             <a:r>
               <a:rPr lang="en-US" dirty="0"/>
-              <a:t>Web Scraping Tutorial </a:t>
-            </a:r>
-            <a:r>
-              <a:rPr lang="en-US" sz="3200" dirty="0"/>
-              <a:t>And</a:t>
-            </a:r>
-            <a:r>
-              <a:rPr lang="en-US" dirty="0"/>
-              <a:t> Use Case</a:t>
-            </a:r>
+              <a:t>Web </a:t>
+            </a:r>
+            <a:r>
+              <a:rPr lang="en-US" dirty="0" smtClean="0"/>
+              <a:t>Scraping</a:t>
+            </a:r>
+            <a:endParaRPr lang="en-US" dirty="0"/>
           </a:p>
         </p:txBody>
       </p:sp>
@@ -6151,7 +6153,7 @@
         </p:blipFill>
         <p:spPr>
           <a:xfrm>
-            <a:off x="466344" y="1252728"/>
+            <a:off x="466344" y="1271016"/>
             <a:ext cx="11265408" cy="5605272"/>
           </a:xfrm>
         </p:spPr>
@@ -7521,7 +7523,6 @@
               <a:rPr lang="en-US" b="1" dirty="0"/>
               <a:t>What should I do to scrape some websites?</a:t>
             </a:r>
-            <a:endParaRPr lang="en-US" b="1" dirty="0"/>
           </a:p>
         </p:txBody>
       </p:sp>

--- a/Web Scrapping.pptx
+++ b/Web Scrapping.pptx
@@ -7806,7 +7806,17 @@
             <a:pPr algn="l" rtl="0"/>
             <a:r>
               <a:rPr lang="en-US" dirty="0" smtClean="0"/>
-              <a:t>You need to know about CSS selectors, which will allow you to query the DOM of the HTML you have got, to get the exact values you need.</a:t>
+              <a:t>You need to know about </a:t>
+            </a:r>
+            <a:r>
+              <a:rPr lang="en-US" dirty="0" smtClean="0">
+                <a:hlinkClick r:id="rId2"/>
+              </a:rPr>
+              <a:t>CSS selectors</a:t>
+            </a:r>
+            <a:r>
+              <a:rPr lang="en-US" dirty="0" smtClean="0"/>
+              <a:t>, which will allow you to query the DOM of the HTML you have got, to get the exact values you need.</a:t>
             </a:r>
           </a:p>
           <a:p>
@@ -7828,7 +7838,7 @@
           </p:nvPr>
         </p:nvPicPr>
         <p:blipFill>
-          <a:blip r:embed="rId2">
+          <a:blip r:embed="rId3">
             <a:extLst>
               <a:ext uri="{28A0092B-C50C-407E-A947-70E740481C1C}">
                 <a14:useLocalDpi xmlns:a14="http://schemas.microsoft.com/office/drawing/2010/main" val="0"/>
